--- a/Docs/PROYECTO PREGUNTA2.pptx
+++ b/Docs/PROYECTO PREGUNTA2.pptx
@@ -7,13 +7,14 @@
   <p:sldIdLst>
     <p:sldId id="256" r:id="rId2"/>
     <p:sldId id="257" r:id="rId3"/>
-    <p:sldId id="259" r:id="rId4"/>
-    <p:sldId id="260" r:id="rId5"/>
-    <p:sldId id="258" r:id="rId6"/>
-    <p:sldId id="261" r:id="rId7"/>
+    <p:sldId id="266" r:id="rId4"/>
+    <p:sldId id="258" r:id="rId5"/>
+    <p:sldId id="261" r:id="rId6"/>
+    <p:sldId id="267" r:id="rId7"/>
     <p:sldId id="262" r:id="rId8"/>
     <p:sldId id="263" r:id="rId9"/>
     <p:sldId id="264" r:id="rId10"/>
+    <p:sldId id="265" r:id="rId11"/>
   </p:sldIdLst>
   <p:sldSz cx="9144000" cy="6858000" type="screen4x3"/>
   <p:notesSz cx="6858000" cy="9144000"/>
@@ -119,13 +120,14 @@
           <p14:sldIdLst>
             <p14:sldId id="256"/>
             <p14:sldId id="257"/>
-            <p14:sldId id="259"/>
-            <p14:sldId id="260"/>
+            <p14:sldId id="266"/>
             <p14:sldId id="258"/>
             <p14:sldId id="261"/>
+            <p14:sldId id="267"/>
             <p14:sldId id="262"/>
             <p14:sldId id="263"/>
             <p14:sldId id="264"/>
+            <p14:sldId id="265"/>
           </p14:sldIdLst>
         </p14:section>
       </p14:sectionLst>
@@ -556,7 +558,7 @@
           <a:p>
             <a:fld id="{07478D2B-F499-4C3B-A3D2-0CA7D4327C11}" type="datetimeFigureOut">
               <a:rPr lang="es-AR" smtClean="0"/>
-              <a:t>20/11/2017</a:t>
+              <a:t>21/11/2017</a:t>
             </a:fld>
             <a:endParaRPr lang="es-AR"/>
           </a:p>
@@ -768,7 +770,7 @@
           <a:p>
             <a:fld id="{07478D2B-F499-4C3B-A3D2-0CA7D4327C11}" type="datetimeFigureOut">
               <a:rPr lang="es-AR" smtClean="0"/>
-              <a:t>20/11/2017</a:t>
+              <a:t>21/11/2017</a:t>
             </a:fld>
             <a:endParaRPr lang="es-AR"/>
           </a:p>
@@ -955,7 +957,7 @@
           <a:p>
             <a:fld id="{07478D2B-F499-4C3B-A3D2-0CA7D4327C11}" type="datetimeFigureOut">
               <a:rPr lang="es-AR" smtClean="0"/>
-              <a:t>20/11/2017</a:t>
+              <a:t>21/11/2017</a:t>
             </a:fld>
             <a:endParaRPr lang="es-AR"/>
           </a:p>
@@ -1052,7 +1054,7 @@
           <a:p>
             <a:fld id="{07478D2B-F499-4C3B-A3D2-0CA7D4327C11}" type="datetimeFigureOut">
               <a:rPr lang="es-AR" smtClean="0"/>
-              <a:t>20/11/2017</a:t>
+              <a:t>21/11/2017</a:t>
             </a:fld>
             <a:endParaRPr lang="es-AR"/>
           </a:p>
@@ -1648,7 +1650,7 @@
           <a:p>
             <a:fld id="{07478D2B-F499-4C3B-A3D2-0CA7D4327C11}" type="datetimeFigureOut">
               <a:rPr lang="es-AR" smtClean="0"/>
-              <a:t>20/11/2017</a:t>
+              <a:t>21/11/2017</a:t>
             </a:fld>
             <a:endParaRPr lang="es-AR"/>
           </a:p>
@@ -1745,7 +1747,7 @@
           <a:p>
             <a:fld id="{07478D2B-F499-4C3B-A3D2-0CA7D4327C11}" type="datetimeFigureOut">
               <a:rPr lang="es-AR" smtClean="0"/>
-              <a:t>20/11/2017</a:t>
+              <a:t>21/11/2017</a:t>
             </a:fld>
             <a:endParaRPr lang="es-AR"/>
           </a:p>
@@ -2350,7 +2352,7 @@
           <a:p>
             <a:fld id="{07478D2B-F499-4C3B-A3D2-0CA7D4327C11}" type="datetimeFigureOut">
               <a:rPr lang="es-AR" smtClean="0"/>
-              <a:t>20/11/2017</a:t>
+              <a:t>21/11/2017</a:t>
             </a:fld>
             <a:endParaRPr lang="es-AR"/>
           </a:p>
@@ -2493,7 +2495,7 @@
           <a:p>
             <a:fld id="{07478D2B-F499-4C3B-A3D2-0CA7D4327C11}" type="datetimeFigureOut">
               <a:rPr lang="es-AR" smtClean="0"/>
-              <a:t>20/11/2017</a:t>
+              <a:t>21/11/2017</a:t>
             </a:fld>
             <a:endParaRPr lang="es-AR"/>
           </a:p>
@@ -2590,7 +2592,7 @@
           <a:p>
             <a:fld id="{07478D2B-F499-4C3B-A3D2-0CA7D4327C11}" type="datetimeFigureOut">
               <a:rPr lang="es-AR" smtClean="0"/>
-              <a:t>20/11/2017</a:t>
+              <a:t>21/11/2017</a:t>
             </a:fld>
             <a:endParaRPr lang="es-AR"/>
           </a:p>
@@ -2874,7 +2876,7 @@
           <a:p>
             <a:fld id="{07478D2B-F499-4C3B-A3D2-0CA7D4327C11}" type="datetimeFigureOut">
               <a:rPr lang="es-AR" smtClean="0"/>
-              <a:t>20/11/2017</a:t>
+              <a:t>21/11/2017</a:t>
             </a:fld>
             <a:endParaRPr lang="es-AR"/>
           </a:p>
@@ -3396,7 +3398,7 @@
           <a:p>
             <a:fld id="{07478D2B-F499-4C3B-A3D2-0CA7D4327C11}" type="datetimeFigureOut">
               <a:rPr lang="es-AR" smtClean="0"/>
-              <a:t>20/11/2017</a:t>
+              <a:t>21/11/2017</a:t>
             </a:fld>
             <a:endParaRPr lang="es-AR"/>
           </a:p>
@@ -3916,7 +3918,7 @@
           <a:p>
             <a:fld id="{07478D2B-F499-4C3B-A3D2-0CA7D4327C11}" type="datetimeFigureOut">
               <a:rPr lang="es-AR" smtClean="0"/>
-              <a:t>20/11/2017</a:t>
+              <a:t>21/11/2017</a:t>
             </a:fld>
             <a:endParaRPr lang="es-AR"/>
           </a:p>
@@ -4636,6 +4638,74 @@
 </p:sld>
 </file>
 
+<file path=ppt/slides/slide10.xml><?xml version="1.0" encoding="utf-8"?>
+<p:sld xmlns:a="http://schemas.openxmlformats.org/drawingml/2006/main" xmlns:r="http://schemas.openxmlformats.org/officeDocument/2006/relationships" xmlns:p="http://schemas.openxmlformats.org/presentationml/2006/main">
+  <p:cSld>
+    <p:spTree>
+      <p:nvGrpSpPr>
+        <p:cNvPr id="1" name=""/>
+        <p:cNvGrpSpPr/>
+        <p:nvPr/>
+      </p:nvGrpSpPr>
+      <p:grpSpPr>
+        <a:xfrm>
+          <a:off x="0" y="0"/>
+          <a:ext cx="0" cy="0"/>
+          <a:chOff x="0" y="0"/>
+          <a:chExt cx="0" cy="0"/>
+        </a:xfrm>
+      </p:grpSpPr>
+      <p:sp>
+        <p:nvSpPr>
+          <p:cNvPr id="4" name="3 Título"/>
+          <p:cNvSpPr>
+            <a:spLocks noGrp="1"/>
+          </p:cNvSpPr>
+          <p:nvPr>
+            <p:ph type="title"/>
+          </p:nvPr>
+        </p:nvSpPr>
+        <p:spPr>
+          <a:xfrm>
+            <a:off x="611560" y="404664"/>
+            <a:ext cx="7776864" cy="3456384"/>
+          </a:xfrm>
+        </p:spPr>
+        <p:txBody>
+          <a:bodyPr/>
+          <a:lstStyle/>
+          <a:p>
+            <a:pPr marL="0" indent="0" algn="ctr">
+              <a:buNone/>
+            </a:pPr>
+            <a:r>
+              <a:rPr lang="es-AR" sz="6600" dirty="0" smtClean="0"/>
+              <a:t>Conclusiones</a:t>
+            </a:r>
+            <a:endParaRPr lang="es-AR" sz="6600" dirty="0"/>
+          </a:p>
+        </p:txBody>
+      </p:sp>
+    </p:spTree>
+    <p:extLst>
+      <p:ext uri="{BB962C8B-B14F-4D97-AF65-F5344CB8AC3E}">
+        <p14:creationId xmlns:p14="http://schemas.microsoft.com/office/powerpoint/2010/main" val="3004748416"/>
+      </p:ext>
+    </p:extLst>
+  </p:cSld>
+  <p:clrMapOvr>
+    <a:masterClrMapping/>
+  </p:clrMapOvr>
+  <p:timing>
+    <p:tnLst>
+      <p:par>
+        <p:cTn id="1" dur="indefinite" restart="never" nodeType="tmRoot"/>
+      </p:par>
+    </p:tnLst>
+  </p:timing>
+</p:sld>
+</file>
+
 <file path=ppt/slides/slide2.xml><?xml version="1.0" encoding="utf-8"?>
 <p:sld xmlns:a="http://schemas.openxmlformats.org/drawingml/2006/main" xmlns:r="http://schemas.openxmlformats.org/officeDocument/2006/relationships" xmlns:p="http://schemas.openxmlformats.org/presentationml/2006/main">
   <p:cSld>
@@ -4762,7 +4832,7 @@
         </p:nvSpPr>
         <p:spPr>
           <a:xfrm>
-            <a:off x="2051720" y="5373216"/>
+            <a:off x="2051720" y="5229200"/>
             <a:ext cx="6512511" cy="1143000"/>
           </a:xfrm>
         </p:spPr>
@@ -4770,772 +4840,150 @@
           <a:bodyPr/>
           <a:lstStyle/>
           <a:p>
+            <a:pPr marL="0" indent="0">
+              <a:buNone/>
+            </a:pPr>
+            <a:r>
+              <a:rPr lang="es-AR" dirty="0" err="1" smtClean="0"/>
+              <a:t>Replanificación</a:t>
+            </a:r>
+            <a:endParaRPr lang="es-AR" dirty="0"/>
+          </a:p>
+        </p:txBody>
+      </p:sp>
+      <p:sp>
+        <p:nvSpPr>
+          <p:cNvPr id="3" name="2 Marcador de contenido"/>
+          <p:cNvSpPr>
+            <a:spLocks noGrp="1"/>
+          </p:cNvSpPr>
+          <p:nvPr>
+            <p:ph sz="quarter" idx="13"/>
+          </p:nvPr>
+        </p:nvSpPr>
+        <p:spPr/>
+        <p:txBody>
+          <a:bodyPr>
+            <a:normAutofit lnSpcReduction="10000"/>
+          </a:bodyPr>
+          <a:lstStyle/>
+          <a:p>
+            <a:pPr marL="502920" indent="-457200">
+              <a:buFont typeface="+mj-lt"/>
+              <a:buAutoNum type="arabicPeriod"/>
+            </a:pPr>
             <a:r>
               <a:rPr lang="es-AR" dirty="0" smtClean="0"/>
-              <a:t>Métricas Anteriores</a:t>
-            </a:r>
-            <a:br>
+              <a:t>Revisar estado actual.</a:t>
+            </a:r>
+          </a:p>
+          <a:p>
+            <a:pPr marL="502920" indent="-457200">
+              <a:buFont typeface="+mj-lt"/>
+              <a:buAutoNum type="arabicPeriod"/>
+            </a:pPr>
+            <a:r>
               <a:rPr lang="es-AR" dirty="0" smtClean="0"/>
-            </a:br>
-            <a:endParaRPr lang="es-AR" dirty="0"/>
-          </a:p>
-        </p:txBody>
-      </p:sp>
-      <p:sp>
-        <p:nvSpPr>
-          <p:cNvPr id="3" name="2 Marcador de contenido"/>
-          <p:cNvSpPr>
-            <a:spLocks noGrp="1"/>
-          </p:cNvSpPr>
-          <p:nvPr>
-            <p:ph sz="quarter" idx="13"/>
-          </p:nvPr>
-        </p:nvSpPr>
-        <p:spPr>
-          <a:xfrm>
-            <a:off x="251520" y="260648"/>
-            <a:ext cx="8496944" cy="4968552"/>
-          </a:xfrm>
-        </p:spPr>
-        <p:txBody>
-          <a:bodyPr>
-            <a:noAutofit/>
-          </a:bodyPr>
-          <a:lstStyle/>
-          <a:p>
-            <a:pPr marL="45720" indent="0">
-              <a:buNone/>
+              <a:t>Reorganización de código actual.</a:t>
+            </a:r>
+          </a:p>
+          <a:p>
+            <a:pPr lvl="3"/>
+            <a:r>
+              <a:rPr lang="es-AR" dirty="0" smtClean="0"/>
+              <a:t>Revisar TC para reducción de clases (</a:t>
+            </a:r>
+            <a:r>
+              <a:rPr lang="es-AR" dirty="0" err="1" smtClean="0"/>
+              <a:t>princip</a:t>
+            </a:r>
+            <a:r>
+              <a:rPr lang="es-AR" dirty="0" smtClean="0"/>
+              <a:t> </a:t>
+            </a:r>
+            <a:r>
+              <a:rPr lang="es-AR" dirty="0" err="1" smtClean="0"/>
+              <a:t>Game</a:t>
+            </a:r>
+            <a:r>
+              <a:rPr lang="es-AR" dirty="0" smtClean="0"/>
+              <a:t>)</a:t>
+            </a:r>
+          </a:p>
+          <a:p>
+            <a:pPr lvl="3"/>
+            <a:r>
+              <a:rPr lang="es-AR" dirty="0" smtClean="0"/>
+              <a:t>Análisis de métodos</a:t>
+            </a:r>
+          </a:p>
+          <a:p>
+            <a:pPr lvl="3"/>
+            <a:r>
+              <a:rPr lang="es-AR" dirty="0" smtClean="0"/>
+              <a:t>Creación de GameHandling, </a:t>
+            </a:r>
+            <a:r>
+              <a:rPr lang="es-AR" dirty="0" err="1" smtClean="0"/>
+              <a:t>Modularización</a:t>
+            </a:r>
+            <a:r>
+              <a:rPr lang="es-AR" dirty="0" smtClean="0"/>
+              <a:t>.</a:t>
+            </a:r>
+          </a:p>
+          <a:p>
+            <a:pPr lvl="3"/>
+            <a:r>
+              <a:rPr lang="es-AR" dirty="0" smtClean="0"/>
+              <a:t>Finalizar conexión de WS.</a:t>
+            </a:r>
+          </a:p>
+          <a:p>
+            <a:pPr lvl="3"/>
+            <a:r>
+              <a:rPr lang="es-AR" dirty="0" smtClean="0"/>
+              <a:t>Reducción del impacto de cambios próximos.</a:t>
+            </a:r>
+          </a:p>
+          <a:p>
+            <a:pPr marL="502920" indent="-457200">
+              <a:buFont typeface="+mj-lt"/>
+              <a:buAutoNum type="arabicPeriod"/>
             </a:pPr>
             <a:r>
-              <a:rPr lang="es-AR" sz="1600" u="sng" dirty="0" smtClean="0">
-                <a:latin typeface="Berlin Sans FB" pitchFamily="34" charset="0"/>
-              </a:rPr>
-              <a:t>Métricas Previas a los nuevos cambios:</a:t>
-            </a:r>
-            <a:endParaRPr lang="es-AR" sz="1400" dirty="0">
-              <a:latin typeface="Berlin Sans FB" pitchFamily="34" charset="0"/>
-            </a:endParaRPr>
-          </a:p>
-          <a:p>
-            <a:pPr marL="45720" indent="0">
-              <a:buNone/>
-            </a:pPr>
-            <a:r>
-              <a:rPr lang="es-AR" sz="1200" dirty="0">
-                <a:latin typeface="Berlin Sans FB" pitchFamily="34" charset="0"/>
-              </a:rPr>
-              <a:t>	</a:t>
-            </a:r>
-            <a:endParaRPr lang="es-AR" sz="1200" dirty="0" smtClean="0">
-              <a:latin typeface="Berlin Sans FB" pitchFamily="34" charset="0"/>
-            </a:endParaRPr>
-          </a:p>
-          <a:p>
-            <a:pPr marL="45720" indent="0">
-              <a:buNone/>
-            </a:pPr>
-            <a:r>
-              <a:rPr lang="es-AR" sz="1200" dirty="0">
-                <a:solidFill>
-                  <a:srgbClr val="FF0000"/>
-                </a:solidFill>
-                <a:latin typeface="Berlin Sans FB" pitchFamily="34" charset="0"/>
-              </a:rPr>
-              <a:t>	</a:t>
-            </a:r>
-            <a:r>
-              <a:rPr lang="es-AR" sz="1200" dirty="0" smtClean="0">
-                <a:solidFill>
-                  <a:srgbClr val="FF0000"/>
-                </a:solidFill>
-                <a:latin typeface="Berlin Sans FB" pitchFamily="34" charset="0"/>
-              </a:rPr>
-              <a:t>APH </a:t>
-            </a:r>
-            <a:r>
-              <a:rPr lang="es-AR" sz="1200" dirty="0">
-                <a:solidFill>
-                  <a:srgbClr val="FF0000"/>
-                </a:solidFill>
-                <a:latin typeface="Berlin Sans FB" pitchFamily="34" charset="0"/>
-              </a:rPr>
-              <a:t>= 2</a:t>
-            </a:r>
-            <a:r>
-              <a:rPr lang="es-AR" sz="1200" dirty="0" smtClean="0">
-                <a:solidFill>
-                  <a:srgbClr val="FF0000"/>
-                </a:solidFill>
-                <a:latin typeface="Berlin Sans FB" pitchFamily="34" charset="0"/>
-              </a:rPr>
+              <a:rPr lang="es-AR" dirty="0" smtClean="0"/>
+              <a:t>Planificación de los próximos </a:t>
+            </a:r>
+            <a:r>
+              <a:rPr lang="es-AR" dirty="0" err="1" smtClean="0"/>
+              <a:t>Sprints</a:t>
+            </a:r>
+            <a:r>
+              <a:rPr lang="es-AR" dirty="0" smtClean="0"/>
               <a:t>.</a:t>
             </a:r>
-            <a:r>
-              <a:rPr lang="es-AR" sz="1200" dirty="0">
-                <a:solidFill>
-                  <a:srgbClr val="FF0000"/>
-                </a:solidFill>
-                <a:latin typeface="Berlin Sans FB" pitchFamily="34" charset="0"/>
-              </a:rPr>
-              <a:t> </a:t>
-            </a:r>
-            <a:r>
-              <a:rPr lang="es-AR" sz="1200" dirty="0" smtClean="0">
-                <a:solidFill>
-                  <a:srgbClr val="FF0000"/>
-                </a:solidFill>
-                <a:latin typeface="Berlin Sans FB" pitchFamily="34" charset="0"/>
-              </a:rPr>
-              <a:t>						NDD </a:t>
-            </a:r>
-            <a:r>
-              <a:rPr lang="es-AR" sz="1200" dirty="0">
-                <a:solidFill>
-                  <a:srgbClr val="FF0000"/>
-                </a:solidFill>
-                <a:latin typeface="Berlin Sans FB" pitchFamily="34" charset="0"/>
-              </a:rPr>
-              <a:t>= 3</a:t>
-            </a:r>
-            <a:r>
-              <a:rPr lang="es-AR" sz="1200" dirty="0" smtClean="0">
-                <a:solidFill>
-                  <a:srgbClr val="FF0000"/>
-                </a:solidFill>
-                <a:latin typeface="Berlin Sans FB" pitchFamily="34" charset="0"/>
-              </a:rPr>
-              <a:t>.</a:t>
-            </a:r>
-          </a:p>
-          <a:p>
-            <a:pPr marL="45720" indent="0">
-              <a:buNone/>
-            </a:pPr>
-            <a:r>
-              <a:rPr lang="es-AR" sz="1200" dirty="0">
-                <a:solidFill>
-                  <a:srgbClr val="FF0000"/>
-                </a:solidFill>
-                <a:latin typeface="Berlin Sans FB" pitchFamily="34" charset="0"/>
-              </a:rPr>
-              <a:t>	</a:t>
-            </a:r>
-            <a:r>
-              <a:rPr lang="es-AR" sz="1200" dirty="0" smtClean="0">
-                <a:solidFill>
-                  <a:srgbClr val="FF0000"/>
-                </a:solidFill>
-                <a:latin typeface="Berlin Sans FB" pitchFamily="34" charset="0"/>
-              </a:rPr>
-              <a:t>					</a:t>
-            </a:r>
-          </a:p>
-          <a:p>
-            <a:pPr marL="45720" indent="0">
-              <a:buNone/>
-            </a:pPr>
-            <a:r>
-              <a:rPr lang="es-AR" sz="1200" dirty="0">
-                <a:solidFill>
-                  <a:srgbClr val="FF0000"/>
-                </a:solidFill>
-                <a:latin typeface="Berlin Sans FB" pitchFamily="34" charset="0"/>
-              </a:rPr>
-              <a:t>	</a:t>
-            </a:r>
-            <a:r>
-              <a:rPr lang="es-AR" sz="1200" dirty="0" smtClean="0">
-                <a:solidFill>
-                  <a:srgbClr val="FF0000"/>
-                </a:solidFill>
-                <a:latin typeface="Berlin Sans FB" pitchFamily="34" charset="0"/>
-              </a:rPr>
-              <a:t>						</a:t>
-            </a:r>
-            <a:r>
-              <a:rPr lang="es-AR" sz="1200" dirty="0" err="1" smtClean="0">
-                <a:solidFill>
-                  <a:srgbClr val="FF0000"/>
-                </a:solidFill>
-                <a:latin typeface="Berlin Sans FB" pitchFamily="34" charset="0"/>
-              </a:rPr>
-              <a:t>Metodos</a:t>
-            </a:r>
-            <a:r>
-              <a:rPr lang="es-AR" sz="1200" dirty="0" smtClean="0">
-                <a:solidFill>
-                  <a:srgbClr val="FF0000"/>
-                </a:solidFill>
-                <a:latin typeface="Berlin Sans FB" pitchFamily="34" charset="0"/>
-              </a:rPr>
-              <a:t> (PROPIOS )</a:t>
-            </a:r>
-          </a:p>
-          <a:p>
-            <a:pPr marL="45720" indent="0">
-              <a:buNone/>
-            </a:pPr>
-            <a:r>
-              <a:rPr lang="es-AR" sz="1200" dirty="0">
-                <a:solidFill>
-                  <a:srgbClr val="FF0000"/>
-                </a:solidFill>
-                <a:latin typeface="Berlin Sans FB" pitchFamily="34" charset="0"/>
-              </a:rPr>
-              <a:t>	</a:t>
-            </a:r>
-            <a:r>
-              <a:rPr lang="es-AR" sz="1200" dirty="0" smtClean="0">
-                <a:solidFill>
-                  <a:srgbClr val="FF0000"/>
-                </a:solidFill>
-                <a:latin typeface="Berlin Sans FB" pitchFamily="34" charset="0"/>
-              </a:rPr>
-              <a:t>ACO(GAME)= </a:t>
-            </a:r>
-            <a:r>
-              <a:rPr lang="es-AR" sz="1200" dirty="0">
-                <a:solidFill>
-                  <a:srgbClr val="FF0000"/>
-                </a:solidFill>
-                <a:latin typeface="Berlin Sans FB" pitchFamily="34" charset="0"/>
-              </a:rPr>
-              <a:t>2</a:t>
-            </a:r>
-            <a:r>
-              <a:rPr lang="es-AR" sz="1200" dirty="0" smtClean="0">
-                <a:solidFill>
-                  <a:srgbClr val="FF0000"/>
-                </a:solidFill>
-                <a:latin typeface="Berlin Sans FB" pitchFamily="34" charset="0"/>
-              </a:rPr>
-              <a:t>.					TC(GAME)= </a:t>
-            </a:r>
-            <a:r>
-              <a:rPr lang="es-AR" sz="1200" dirty="0">
-                <a:solidFill>
-                  <a:srgbClr val="FF0000"/>
-                </a:solidFill>
-                <a:latin typeface="Berlin Sans FB" pitchFamily="34" charset="0"/>
-              </a:rPr>
-              <a:t>4.</a:t>
-            </a:r>
-          </a:p>
-          <a:p>
-            <a:pPr marL="45720" indent="0">
-              <a:buNone/>
-            </a:pPr>
-            <a:r>
-              <a:rPr lang="es-AR" sz="1200" dirty="0" smtClean="0">
-                <a:solidFill>
-                  <a:srgbClr val="FF0000"/>
-                </a:solidFill>
-                <a:latin typeface="Berlin Sans FB" pitchFamily="34" charset="0"/>
-              </a:rPr>
-              <a:t>	ACO(USER)= 2. 					TC(USER)= </a:t>
-            </a:r>
-            <a:r>
-              <a:rPr lang="es-AR" sz="1200" dirty="0">
-                <a:solidFill>
-                  <a:srgbClr val="FF0000"/>
-                </a:solidFill>
-                <a:latin typeface="Berlin Sans FB" pitchFamily="34" charset="0"/>
-              </a:rPr>
-              <a:t>2.</a:t>
-            </a:r>
-            <a:endParaRPr lang="es-AR" sz="1200" dirty="0" smtClean="0">
-              <a:solidFill>
-                <a:srgbClr val="FF0000"/>
-              </a:solidFill>
-              <a:latin typeface="Berlin Sans FB" pitchFamily="34" charset="0"/>
-            </a:endParaRPr>
-          </a:p>
-          <a:p>
-            <a:pPr marL="45720" indent="0">
-              <a:buNone/>
-            </a:pPr>
-            <a:r>
-              <a:rPr lang="es-AR" sz="1200" dirty="0">
-                <a:solidFill>
-                  <a:srgbClr val="FF0000"/>
-                </a:solidFill>
-                <a:latin typeface="Berlin Sans FB" pitchFamily="34" charset="0"/>
-              </a:rPr>
-              <a:t>	</a:t>
-            </a:r>
-            <a:r>
-              <a:rPr lang="es-AR" sz="1200" dirty="0" smtClean="0">
-                <a:solidFill>
-                  <a:srgbClr val="FF0000"/>
-                </a:solidFill>
-                <a:latin typeface="Berlin Sans FB" pitchFamily="34" charset="0"/>
-              </a:rPr>
-              <a:t>ACO(QUESTION)= 2.					TC(QUESTION)= </a:t>
-            </a:r>
-            <a:r>
-              <a:rPr lang="es-AR" sz="1200" dirty="0">
-                <a:solidFill>
-                  <a:srgbClr val="FF0000"/>
-                </a:solidFill>
-                <a:latin typeface="Berlin Sans FB" pitchFamily="34" charset="0"/>
-              </a:rPr>
-              <a:t>7</a:t>
-            </a:r>
-            <a:r>
-              <a:rPr lang="es-AR" sz="1200" dirty="0" smtClean="0">
-                <a:solidFill>
-                  <a:srgbClr val="FF0000"/>
-                </a:solidFill>
-                <a:latin typeface="Berlin Sans FB" pitchFamily="34" charset="0"/>
-              </a:rPr>
-              <a:t>.</a:t>
-            </a:r>
-          </a:p>
-          <a:p>
-            <a:pPr marL="45720" indent="0">
-              <a:buNone/>
-            </a:pPr>
-            <a:r>
-              <a:rPr lang="es-AR" sz="1200" dirty="0">
-                <a:solidFill>
-                  <a:srgbClr val="FF0000"/>
-                </a:solidFill>
-                <a:latin typeface="Berlin Sans FB" pitchFamily="34" charset="0"/>
-              </a:rPr>
-              <a:t> </a:t>
-            </a:r>
-            <a:r>
-              <a:rPr lang="es-AR" sz="1200" dirty="0" smtClean="0">
-                <a:solidFill>
-                  <a:srgbClr val="FF0000"/>
-                </a:solidFill>
-                <a:latin typeface="Berlin Sans FB" pitchFamily="34" charset="0"/>
-              </a:rPr>
-              <a:t>                      ACO(INVITATION) =					TC(INVITATION)=	</a:t>
-            </a:r>
-            <a:endParaRPr lang="es-AR" sz="1200" u="sng" dirty="0" smtClean="0">
-              <a:solidFill>
-                <a:srgbClr val="FF0000"/>
-              </a:solidFill>
-              <a:latin typeface="Berlin Sans FB" pitchFamily="34" charset="0"/>
-            </a:endParaRPr>
-          </a:p>
-          <a:p>
-            <a:pPr marL="45720" indent="0">
-              <a:buNone/>
-            </a:pPr>
-            <a:r>
-              <a:rPr lang="es-AR" sz="1200" dirty="0" smtClean="0">
-                <a:solidFill>
-                  <a:srgbClr val="FF0000"/>
-                </a:solidFill>
-                <a:latin typeface="Berlin Sans FB" pitchFamily="34" charset="0"/>
-              </a:rPr>
-              <a:t>	</a:t>
-            </a:r>
-            <a:r>
-              <a:rPr lang="es-AR" sz="1200" dirty="0">
-                <a:solidFill>
-                  <a:srgbClr val="FF0000"/>
-                </a:solidFill>
-                <a:latin typeface="Berlin Sans FB" pitchFamily="34" charset="0"/>
-              </a:rPr>
-              <a:t>	</a:t>
-            </a:r>
-            <a:r>
-              <a:rPr lang="es-AR" sz="1200" dirty="0" smtClean="0">
-                <a:solidFill>
-                  <a:srgbClr val="FF0000"/>
-                </a:solidFill>
-                <a:latin typeface="Berlin Sans FB" pitchFamily="34" charset="0"/>
-              </a:rPr>
-              <a:t> 				</a:t>
-            </a:r>
-          </a:p>
-          <a:p>
-            <a:pPr marL="45720" indent="0">
-              <a:buNone/>
-            </a:pPr>
-            <a:r>
-              <a:rPr lang="es-AR" sz="1200" dirty="0" smtClean="0">
-                <a:solidFill>
-                  <a:srgbClr val="FF0000"/>
-                </a:solidFill>
-                <a:latin typeface="Berlin Sans FB" pitchFamily="34" charset="0"/>
-              </a:rPr>
-              <a:t>	NOR(GAME)= 0. 					NOA(GAME)= </a:t>
-            </a:r>
-            <a:r>
-              <a:rPr lang="es-AR" sz="1200" dirty="0">
-                <a:solidFill>
-                  <a:srgbClr val="FF0000"/>
-                </a:solidFill>
-                <a:latin typeface="Berlin Sans FB" pitchFamily="34" charset="0"/>
-              </a:rPr>
-              <a:t>4</a:t>
-            </a:r>
-            <a:r>
-              <a:rPr lang="es-AR" sz="1200" dirty="0" smtClean="0">
-                <a:solidFill>
-                  <a:srgbClr val="FF0000"/>
-                </a:solidFill>
-                <a:latin typeface="Berlin Sans FB" pitchFamily="34" charset="0"/>
-              </a:rPr>
-              <a:t>.</a:t>
-            </a:r>
-          </a:p>
-          <a:p>
-            <a:pPr marL="45720" indent="0">
-              <a:buNone/>
-            </a:pPr>
-            <a:r>
-              <a:rPr lang="es-AR" sz="1200" dirty="0" smtClean="0">
-                <a:solidFill>
-                  <a:srgbClr val="FF0000"/>
-                </a:solidFill>
-                <a:latin typeface="Berlin Sans FB" pitchFamily="34" charset="0"/>
-              </a:rPr>
-              <a:t>	NOR(USER)= </a:t>
-            </a:r>
-            <a:r>
-              <a:rPr lang="es-AR" sz="1200" dirty="0">
-                <a:solidFill>
-                  <a:srgbClr val="FF0000"/>
-                </a:solidFill>
-                <a:latin typeface="Berlin Sans FB" pitchFamily="34" charset="0"/>
-              </a:rPr>
-              <a:t>0</a:t>
-            </a:r>
-            <a:r>
-              <a:rPr lang="es-AR" sz="1200" dirty="0" smtClean="0">
-                <a:solidFill>
-                  <a:srgbClr val="FF0000"/>
-                </a:solidFill>
-                <a:latin typeface="Berlin Sans FB" pitchFamily="34" charset="0"/>
-              </a:rPr>
-              <a:t>.</a:t>
-            </a:r>
-            <a:r>
-              <a:rPr lang="es-AR" sz="1200" dirty="0">
-                <a:solidFill>
-                  <a:srgbClr val="FF0000"/>
-                </a:solidFill>
-                <a:latin typeface="Berlin Sans FB" pitchFamily="34" charset="0"/>
-              </a:rPr>
-              <a:t> </a:t>
-            </a:r>
-            <a:r>
-              <a:rPr lang="es-AR" sz="1200" dirty="0" smtClean="0">
-                <a:solidFill>
-                  <a:srgbClr val="FF0000"/>
-                </a:solidFill>
-                <a:latin typeface="Berlin Sans FB" pitchFamily="34" charset="0"/>
-              </a:rPr>
-              <a:t>					NOA(USER)= </a:t>
-            </a:r>
-            <a:r>
-              <a:rPr lang="es-AR" sz="1200" dirty="0">
-                <a:solidFill>
-                  <a:srgbClr val="FF0000"/>
-                </a:solidFill>
-                <a:latin typeface="Berlin Sans FB" pitchFamily="34" charset="0"/>
-              </a:rPr>
-              <a:t>2. </a:t>
-            </a:r>
-            <a:endParaRPr lang="es-AR" sz="1200" dirty="0" smtClean="0">
-              <a:solidFill>
-                <a:srgbClr val="FF0000"/>
-              </a:solidFill>
-              <a:latin typeface="Berlin Sans FB" pitchFamily="34" charset="0"/>
-            </a:endParaRPr>
-          </a:p>
-          <a:p>
-            <a:pPr marL="45720" indent="0">
-              <a:buNone/>
-            </a:pPr>
-            <a:r>
-              <a:rPr lang="es-AR" sz="1200" dirty="0">
-                <a:solidFill>
-                  <a:srgbClr val="FF0000"/>
-                </a:solidFill>
-                <a:latin typeface="Berlin Sans FB" pitchFamily="34" charset="0"/>
-              </a:rPr>
-              <a:t>	</a:t>
-            </a:r>
-            <a:r>
-              <a:rPr lang="es-AR" sz="1200" dirty="0" smtClean="0">
-                <a:solidFill>
-                  <a:srgbClr val="FF0000"/>
-                </a:solidFill>
-                <a:latin typeface="Berlin Sans FB" pitchFamily="34" charset="0"/>
-              </a:rPr>
-              <a:t>NOR(QUESTION)= </a:t>
-            </a:r>
-            <a:r>
-              <a:rPr lang="es-AR" sz="1200" dirty="0">
-                <a:solidFill>
-                  <a:srgbClr val="FF0000"/>
-                </a:solidFill>
-                <a:latin typeface="Berlin Sans FB" pitchFamily="34" charset="0"/>
-              </a:rPr>
-              <a:t>0</a:t>
-            </a:r>
-            <a:r>
-              <a:rPr lang="es-AR" sz="1200" dirty="0" smtClean="0">
-                <a:solidFill>
-                  <a:srgbClr val="FF0000"/>
-                </a:solidFill>
-                <a:latin typeface="Berlin Sans FB" pitchFamily="34" charset="0"/>
-              </a:rPr>
-              <a:t>.</a:t>
-            </a:r>
-            <a:r>
-              <a:rPr lang="es-AR" sz="1200" dirty="0">
-                <a:solidFill>
-                  <a:srgbClr val="FF0000"/>
-                </a:solidFill>
-                <a:latin typeface="Berlin Sans FB" pitchFamily="34" charset="0"/>
-              </a:rPr>
-              <a:t> </a:t>
-            </a:r>
-            <a:r>
-              <a:rPr lang="es-AR" sz="1200" dirty="0" smtClean="0">
-                <a:solidFill>
-                  <a:srgbClr val="FF0000"/>
-                </a:solidFill>
-                <a:latin typeface="Berlin Sans FB" pitchFamily="34" charset="0"/>
-              </a:rPr>
-              <a:t>					NOA(QUESTION)= </a:t>
-            </a:r>
-            <a:r>
-              <a:rPr lang="es-AR" sz="1200" dirty="0">
-                <a:solidFill>
-                  <a:srgbClr val="FF0000"/>
-                </a:solidFill>
-                <a:latin typeface="Berlin Sans FB" pitchFamily="34" charset="0"/>
-              </a:rPr>
-              <a:t>7. </a:t>
-            </a:r>
-            <a:r>
-              <a:rPr lang="es-AR" sz="1200" dirty="0" smtClean="0">
-                <a:solidFill>
-                  <a:srgbClr val="FF0000"/>
-                </a:solidFill>
-                <a:latin typeface="Berlin Sans FB" pitchFamily="34" charset="0"/>
-              </a:rPr>
-              <a:t>	</a:t>
-            </a:r>
-          </a:p>
-          <a:p>
-            <a:pPr marL="45720" indent="0">
-              <a:buNone/>
-            </a:pPr>
-            <a:r>
-              <a:rPr lang="es-AR" sz="1200" dirty="0">
-                <a:solidFill>
-                  <a:srgbClr val="FF0000"/>
-                </a:solidFill>
-                <a:latin typeface="Berlin Sans FB" pitchFamily="34" charset="0"/>
-              </a:rPr>
-              <a:t>	</a:t>
-            </a:r>
-            <a:r>
-              <a:rPr lang="es-AR" sz="1200" dirty="0" smtClean="0">
-                <a:solidFill>
-                  <a:srgbClr val="FF0000"/>
-                </a:solidFill>
-                <a:latin typeface="Berlin Sans FB" pitchFamily="34" charset="0"/>
-              </a:rPr>
-              <a:t>NOR(INVITATION)=					NOA(INVITATION)=</a:t>
-            </a:r>
-          </a:p>
-          <a:p>
-            <a:pPr marL="45720" indent="0">
-              <a:buNone/>
-            </a:pPr>
-            <a:endParaRPr lang="es-AR" sz="1200" dirty="0" smtClean="0">
-              <a:solidFill>
-                <a:srgbClr val="FF0000"/>
-              </a:solidFill>
-              <a:latin typeface="Berlin Sans FB" pitchFamily="34" charset="0"/>
-            </a:endParaRPr>
-          </a:p>
-          <a:p>
-            <a:pPr marL="45720" indent="0">
-              <a:buNone/>
-            </a:pPr>
-            <a:r>
-              <a:rPr lang="es-AR" sz="1200" dirty="0" smtClean="0">
-                <a:solidFill>
-                  <a:srgbClr val="FF0000"/>
-                </a:solidFill>
-                <a:latin typeface="Berlin Sans FB" pitchFamily="34" charset="0"/>
-              </a:rPr>
-              <a:t>	</a:t>
-            </a:r>
-            <a:r>
-              <a:rPr lang="es-AR" sz="1200" dirty="0" err="1" smtClean="0">
-                <a:solidFill>
-                  <a:srgbClr val="FF0000"/>
-                </a:solidFill>
-                <a:latin typeface="Berlin Sans FB" pitchFamily="34" charset="0"/>
-              </a:rPr>
-              <a:t>NPMedia</a:t>
-            </a:r>
-            <a:r>
-              <a:rPr lang="es-AR" sz="1200" dirty="0" smtClean="0">
-                <a:solidFill>
-                  <a:srgbClr val="FF0000"/>
-                </a:solidFill>
-                <a:latin typeface="Berlin Sans FB" pitchFamily="34" charset="0"/>
-              </a:rPr>
-              <a:t>(GAME)= </a:t>
-            </a:r>
-            <a:r>
-              <a:rPr lang="es-AR" sz="1200" dirty="0">
-                <a:solidFill>
-                  <a:srgbClr val="FF0000"/>
-                </a:solidFill>
-                <a:latin typeface="Berlin Sans FB" pitchFamily="34" charset="0"/>
-              </a:rPr>
-              <a:t>8/4 = 2.</a:t>
-            </a:r>
-          </a:p>
-          <a:p>
-            <a:pPr marL="45720" indent="0">
-              <a:buNone/>
-            </a:pPr>
-            <a:r>
-              <a:rPr lang="es-AR" sz="1200" dirty="0" smtClean="0">
-                <a:solidFill>
-                  <a:srgbClr val="FF0000"/>
-                </a:solidFill>
-                <a:latin typeface="Berlin Sans FB" pitchFamily="34" charset="0"/>
-              </a:rPr>
-              <a:t>	</a:t>
-            </a:r>
-            <a:r>
-              <a:rPr lang="es-AR" sz="1200" dirty="0" err="1" smtClean="0">
-                <a:solidFill>
-                  <a:srgbClr val="FF0000"/>
-                </a:solidFill>
-                <a:latin typeface="Berlin Sans FB" pitchFamily="34" charset="0"/>
-              </a:rPr>
-              <a:t>NPMedia</a:t>
-            </a:r>
-            <a:r>
-              <a:rPr lang="es-AR" sz="1200" dirty="0" smtClean="0">
-                <a:solidFill>
-                  <a:srgbClr val="FF0000"/>
-                </a:solidFill>
-                <a:latin typeface="Berlin Sans FB" pitchFamily="34" charset="0"/>
-              </a:rPr>
-              <a:t>(USER)= </a:t>
-            </a:r>
-            <a:r>
-              <a:rPr lang="es-AR" sz="1200" dirty="0">
-                <a:solidFill>
-                  <a:srgbClr val="FF0000"/>
-                </a:solidFill>
-                <a:latin typeface="Berlin Sans FB" pitchFamily="34" charset="0"/>
-              </a:rPr>
-              <a:t>7/2 = 3,5.</a:t>
-            </a:r>
-          </a:p>
-          <a:p>
-            <a:pPr marL="45720" indent="0">
-              <a:buNone/>
-            </a:pPr>
-            <a:r>
-              <a:rPr lang="es-AR" sz="1200" dirty="0" smtClean="0">
-                <a:solidFill>
-                  <a:srgbClr val="FF0000"/>
-                </a:solidFill>
-                <a:latin typeface="Berlin Sans FB" pitchFamily="34" charset="0"/>
-              </a:rPr>
-              <a:t>	</a:t>
-            </a:r>
-            <a:r>
-              <a:rPr lang="es-AR" sz="1200" dirty="0" err="1" smtClean="0">
-                <a:solidFill>
-                  <a:srgbClr val="FF0000"/>
-                </a:solidFill>
-                <a:latin typeface="Berlin Sans FB" pitchFamily="34" charset="0"/>
-              </a:rPr>
-              <a:t>NPMedia</a:t>
-            </a:r>
-            <a:r>
-              <a:rPr lang="es-AR" sz="1200" dirty="0" smtClean="0">
-                <a:solidFill>
-                  <a:srgbClr val="FF0000"/>
-                </a:solidFill>
-                <a:latin typeface="Berlin Sans FB" pitchFamily="34" charset="0"/>
-              </a:rPr>
-              <a:t>(QUESTION)= </a:t>
-            </a:r>
-            <a:r>
-              <a:rPr lang="es-AR" sz="1200" dirty="0">
-                <a:solidFill>
-                  <a:srgbClr val="FF0000"/>
-                </a:solidFill>
-                <a:latin typeface="Berlin Sans FB" pitchFamily="34" charset="0"/>
-              </a:rPr>
-              <a:t>19/7 = 2,71</a:t>
-            </a:r>
-            <a:r>
-              <a:rPr lang="es-AR" sz="1200" dirty="0" smtClean="0">
-                <a:solidFill>
-                  <a:srgbClr val="FF0000"/>
-                </a:solidFill>
-                <a:latin typeface="Berlin Sans FB" pitchFamily="34" charset="0"/>
-              </a:rPr>
-              <a:t>.</a:t>
-            </a:r>
-          </a:p>
-          <a:p>
-            <a:pPr marL="45720" indent="0">
-              <a:buNone/>
-            </a:pPr>
-            <a:r>
-              <a:rPr lang="es-AR" sz="1200" dirty="0">
-                <a:solidFill>
-                  <a:srgbClr val="FF0000"/>
-                </a:solidFill>
-                <a:latin typeface="Berlin Sans FB" pitchFamily="34" charset="0"/>
-              </a:rPr>
-              <a:t>	</a:t>
-            </a:r>
-            <a:r>
-              <a:rPr lang="es-AR" sz="1200" dirty="0" err="1" smtClean="0">
-                <a:solidFill>
-                  <a:srgbClr val="FF0000"/>
-                </a:solidFill>
-                <a:latin typeface="Berlin Sans FB" pitchFamily="34" charset="0"/>
-              </a:rPr>
-              <a:t>NPMedia</a:t>
-            </a:r>
-            <a:r>
-              <a:rPr lang="es-AR" sz="1200" dirty="0" smtClean="0">
-                <a:solidFill>
-                  <a:srgbClr val="FF0000"/>
-                </a:solidFill>
-                <a:latin typeface="Berlin Sans FB" pitchFamily="34" charset="0"/>
-              </a:rPr>
-              <a:t>(INVITATION)=</a:t>
-            </a:r>
-            <a:endParaRPr lang="es-AR" sz="1200" dirty="0">
-              <a:solidFill>
-                <a:srgbClr val="FF0000"/>
-              </a:solidFill>
-              <a:latin typeface="Berlin Sans FB" pitchFamily="34" charset="0"/>
-            </a:endParaRPr>
+          </a:p>
+          <a:p>
+            <a:pPr lvl="3"/>
+            <a:r>
+              <a:rPr lang="es-AR" dirty="0" smtClean="0"/>
+              <a:t>Adaptar modo de juego antiguo.</a:t>
+            </a:r>
+          </a:p>
+          <a:p>
+            <a:pPr lvl="3"/>
+            <a:r>
+              <a:rPr lang="es-AR" dirty="0" smtClean="0"/>
+              <a:t>Implementar modo 1vs1.</a:t>
+            </a:r>
           </a:p>
         </p:txBody>
       </p:sp>
     </p:spTree>
     <p:extLst>
       <p:ext uri="{BB962C8B-B14F-4D97-AF65-F5344CB8AC3E}">
-        <p14:creationId xmlns:p14="http://schemas.microsoft.com/office/powerpoint/2010/main" val="715604527"/>
+        <p14:creationId xmlns:p14="http://schemas.microsoft.com/office/powerpoint/2010/main" val="2222782709"/>
       </p:ext>
     </p:extLst>
   </p:cSld>
@@ -5581,576 +5029,83 @@
         </p:nvSpPr>
         <p:spPr>
           <a:xfrm>
-            <a:off x="1907704" y="5517232"/>
-            <a:ext cx="6512511" cy="1143000"/>
+            <a:off x="755576" y="260648"/>
+            <a:ext cx="7262193" cy="1080120"/>
           </a:xfrm>
         </p:spPr>
         <p:txBody>
           <a:bodyPr/>
           <a:lstStyle/>
           <a:p>
+            <a:pPr marL="0" indent="0">
+              <a:buNone/>
+            </a:pPr>
             <a:r>
               <a:rPr lang="es-AR" dirty="0" smtClean="0"/>
-              <a:t>Nuevas Métricas</a:t>
-            </a:r>
-            <a:br>
-              <a:rPr lang="es-AR" dirty="0" smtClean="0"/>
-            </a:br>
+              <a:t>Nuevo Diagrama de Gantt</a:t>
+            </a:r>
             <a:endParaRPr lang="es-AR" dirty="0"/>
           </a:p>
         </p:txBody>
       </p:sp>
-      <p:sp>
-        <p:nvSpPr>
-          <p:cNvPr id="3" name="2 Marcador de contenido"/>
-          <p:cNvSpPr>
-            <a:spLocks noGrp="1"/>
-          </p:cNvSpPr>
-          <p:nvPr>
-            <p:ph sz="quarter" idx="13"/>
-          </p:nvPr>
-        </p:nvSpPr>
-        <p:spPr>
+      <p:pic>
+        <p:nvPicPr>
+          <p:cNvPr id="2051" name="Picture 3"/>
+          <p:cNvPicPr>
+            <a:picLocks noChangeAspect="1" noChangeArrowheads="1"/>
+          </p:cNvPicPr>
+          <p:nvPr/>
+        </p:nvPicPr>
+        <p:blipFill>
+          <a:blip r:embed="rId2">
+            <a:extLst>
+              <a:ext uri="{28A0092B-C50C-407E-A947-70E740481C1C}">
+                <a14:useLocalDpi xmlns:a14="http://schemas.microsoft.com/office/drawing/2010/main" val="0"/>
+              </a:ext>
+            </a:extLst>
+          </a:blip>
+          <a:srcRect/>
+          <a:stretch>
+            <a:fillRect/>
+          </a:stretch>
+        </p:blipFill>
+        <p:spPr bwMode="auto">
           <a:xfrm>
-            <a:off x="683568" y="260648"/>
-            <a:ext cx="8136904" cy="5112568"/>
+            <a:off x="391373" y="1459523"/>
+            <a:ext cx="8471159" cy="4968552"/>
           </a:xfrm>
+          <a:prstGeom prst="rect">
+            <a:avLst/>
+          </a:prstGeom>
+          <a:noFill/>
+          <a:ln>
+            <a:noFill/>
+          </a:ln>
+          <a:extLst>
+            <a:ext uri="{909E8E84-426E-40DD-AFC4-6F175D3DCCD1}">
+              <a14:hiddenFill xmlns:a14="http://schemas.microsoft.com/office/drawing/2010/main">
+                <a:solidFill>
+                  <a:schemeClr val="accent1"/>
+                </a:solidFill>
+              </a14:hiddenFill>
+            </a:ext>
+            <a:ext uri="{91240B29-F687-4F45-9708-019B960494DF}">
+              <a14:hiddenLine xmlns:a14="http://schemas.microsoft.com/office/drawing/2010/main" w="9525">
+                <a:solidFill>
+                  <a:schemeClr val="tx1"/>
+                </a:solidFill>
+                <a:miter lim="800000"/>
+                <a:headEnd/>
+                <a:tailEnd/>
+              </a14:hiddenLine>
+            </a:ext>
+          </a:extLst>
         </p:spPr>
-        <p:txBody>
-          <a:bodyPr>
-            <a:normAutofit fontScale="77500" lnSpcReduction="20000"/>
-          </a:bodyPr>
-          <a:lstStyle/>
-          <a:p>
-            <a:pPr marL="45720" indent="0">
-              <a:buNone/>
-            </a:pPr>
-            <a:r>
-              <a:rPr lang="es-AR" sz="1600" u="sng" dirty="0" smtClean="0">
-                <a:latin typeface="Berlin Sans FB" pitchFamily="34" charset="0"/>
-              </a:rPr>
-              <a:t>Luego de un conjunto de reformas, y conforme fue desarrollándose el proyecto se analizaron las siguientes métricas:</a:t>
-            </a:r>
-            <a:endParaRPr lang="es-AR" sz="1600" u="sng" dirty="0">
-              <a:latin typeface="Berlin Sans FB" pitchFamily="34" charset="0"/>
-            </a:endParaRPr>
-          </a:p>
-          <a:p>
-            <a:pPr marL="365760" lvl="1" indent="0">
-              <a:buNone/>
-            </a:pPr>
-            <a:endParaRPr lang="es-AR" sz="1500" dirty="0" smtClean="0">
-              <a:solidFill>
-                <a:srgbClr val="FF0000"/>
-              </a:solidFill>
-              <a:latin typeface="Berlin Sans FB" pitchFamily="34" charset="0"/>
-            </a:endParaRPr>
-          </a:p>
-          <a:p>
-            <a:pPr marL="365760" lvl="1" indent="0">
-              <a:buNone/>
-            </a:pPr>
-            <a:r>
-              <a:rPr lang="es-AR" sz="1500" dirty="0" smtClean="0">
-                <a:solidFill>
-                  <a:srgbClr val="FF0000"/>
-                </a:solidFill>
-                <a:latin typeface="Berlin Sans FB" pitchFamily="34" charset="0"/>
-              </a:rPr>
-              <a:t>APH = 						NDD = </a:t>
-            </a:r>
-          </a:p>
-          <a:p>
-            <a:pPr marL="365760" lvl="1" indent="0">
-              <a:buNone/>
-            </a:pPr>
-            <a:endParaRPr lang="es-AR" sz="1500" dirty="0" smtClean="0">
-              <a:solidFill>
-                <a:srgbClr val="FF0000"/>
-              </a:solidFill>
-              <a:latin typeface="Berlin Sans FB" pitchFamily="34" charset="0"/>
-            </a:endParaRPr>
-          </a:p>
-          <a:p>
-            <a:pPr marL="365760" lvl="1" indent="0">
-              <a:buNone/>
-            </a:pPr>
-            <a:r>
-              <a:rPr lang="es-AR" sz="1500" dirty="0" smtClean="0">
-                <a:solidFill>
-                  <a:srgbClr val="FF0000"/>
-                </a:solidFill>
-                <a:latin typeface="Berlin Sans FB" pitchFamily="34" charset="0"/>
-              </a:rPr>
-              <a:t>						</a:t>
-            </a:r>
-            <a:r>
-              <a:rPr lang="es-AR" sz="1500" dirty="0">
-                <a:solidFill>
-                  <a:srgbClr val="FF0000"/>
-                </a:solidFill>
-                <a:latin typeface="Berlin Sans FB" pitchFamily="34" charset="0"/>
-              </a:rPr>
-              <a:t> METODOS(PROPIOS)</a:t>
-            </a:r>
-            <a:endParaRPr lang="es-AR" sz="1500" dirty="0" smtClean="0">
-              <a:solidFill>
-                <a:srgbClr val="FF0000"/>
-              </a:solidFill>
-              <a:latin typeface="Berlin Sans FB" pitchFamily="34" charset="0"/>
-            </a:endParaRPr>
-          </a:p>
-          <a:p>
-            <a:pPr marL="365760" lvl="1" indent="0">
-              <a:buNone/>
-            </a:pPr>
-            <a:r>
-              <a:rPr lang="es-AR" sz="1500" dirty="0" smtClean="0">
-                <a:solidFill>
-                  <a:srgbClr val="FF0000"/>
-                </a:solidFill>
-                <a:latin typeface="Berlin Sans FB" pitchFamily="34" charset="0"/>
-              </a:rPr>
-              <a:t>ACO(GAME) =					TC(GAME) =</a:t>
-            </a:r>
-          </a:p>
-          <a:p>
-            <a:pPr marL="365760" lvl="1" indent="0">
-              <a:buNone/>
-            </a:pPr>
-            <a:r>
-              <a:rPr lang="es-AR" sz="1500" dirty="0" smtClean="0">
-                <a:solidFill>
-                  <a:srgbClr val="FF0000"/>
-                </a:solidFill>
-                <a:latin typeface="Berlin Sans FB" pitchFamily="34" charset="0"/>
-              </a:rPr>
-              <a:t>ACO(USER) =					TC(USER) =</a:t>
-            </a:r>
-          </a:p>
-          <a:p>
-            <a:pPr marL="365760" lvl="1" indent="0">
-              <a:buNone/>
-            </a:pPr>
-            <a:r>
-              <a:rPr lang="es-AR" sz="1500" dirty="0" smtClean="0">
-                <a:solidFill>
-                  <a:srgbClr val="FF0000"/>
-                </a:solidFill>
-                <a:latin typeface="Berlin Sans FB" pitchFamily="34" charset="0"/>
-              </a:rPr>
-              <a:t>ACO(QUESTION) =</a:t>
-            </a:r>
-            <a:r>
-              <a:rPr lang="es-AR" sz="1500" dirty="0">
-                <a:solidFill>
-                  <a:srgbClr val="FF0000"/>
-                </a:solidFill>
-                <a:latin typeface="Berlin Sans FB" pitchFamily="34" charset="0"/>
-              </a:rPr>
-              <a:t>	</a:t>
-            </a:r>
-            <a:r>
-              <a:rPr lang="es-AR" sz="1500" dirty="0" smtClean="0">
-                <a:solidFill>
-                  <a:srgbClr val="FF0000"/>
-                </a:solidFill>
-                <a:latin typeface="Berlin Sans FB" pitchFamily="34" charset="0"/>
-              </a:rPr>
-              <a:t>				TC(QUESTION) =</a:t>
-            </a:r>
-          </a:p>
-          <a:p>
-            <a:pPr marL="365760" lvl="1" indent="0">
-              <a:buNone/>
-            </a:pPr>
-            <a:r>
-              <a:rPr lang="es-AR" sz="1500" dirty="0" smtClean="0">
-                <a:solidFill>
-                  <a:srgbClr val="FF0000"/>
-                </a:solidFill>
-                <a:latin typeface="Berlin Sans FB" pitchFamily="34" charset="0"/>
-              </a:rPr>
-              <a:t>ACO(INVITATION) =</a:t>
-            </a:r>
-            <a:r>
-              <a:rPr lang="es-AR" sz="1500" dirty="0">
-                <a:solidFill>
-                  <a:srgbClr val="FF0000"/>
-                </a:solidFill>
-                <a:latin typeface="Berlin Sans FB" pitchFamily="34" charset="0"/>
-              </a:rPr>
-              <a:t>	</a:t>
-            </a:r>
-            <a:r>
-              <a:rPr lang="es-AR" sz="1500" dirty="0" smtClean="0">
-                <a:solidFill>
-                  <a:srgbClr val="FF0000"/>
-                </a:solidFill>
-                <a:latin typeface="Berlin Sans FB" pitchFamily="34" charset="0"/>
-              </a:rPr>
-              <a:t>				TC(INVITATION) =</a:t>
-            </a:r>
-          </a:p>
-          <a:p>
-            <a:pPr marL="365760" lvl="1" indent="0">
-              <a:buNone/>
-            </a:pPr>
-            <a:r>
-              <a:rPr lang="es-AR" sz="1500" dirty="0" smtClean="0">
-                <a:solidFill>
-                  <a:srgbClr val="FF0000"/>
-                </a:solidFill>
-                <a:latin typeface="Berlin Sans FB" pitchFamily="34" charset="0"/>
-              </a:rPr>
-              <a:t>ACO(GAME HANDLING) = </a:t>
-            </a:r>
-            <a:r>
-              <a:rPr lang="es-AR" sz="1500" dirty="0">
-                <a:solidFill>
-                  <a:srgbClr val="FF0000"/>
-                </a:solidFill>
-                <a:latin typeface="Berlin Sans FB" pitchFamily="34" charset="0"/>
-              </a:rPr>
-              <a:t>	</a:t>
-            </a:r>
-            <a:r>
-              <a:rPr lang="es-AR" sz="1500" dirty="0" smtClean="0">
-                <a:solidFill>
-                  <a:srgbClr val="FF0000"/>
-                </a:solidFill>
-                <a:latin typeface="Berlin Sans FB" pitchFamily="34" charset="0"/>
-              </a:rPr>
-              <a:t>			TC(GAME HANDLING) =</a:t>
-            </a:r>
-          </a:p>
-          <a:p>
-            <a:pPr marL="365760" lvl="1" indent="0">
-              <a:buNone/>
-            </a:pPr>
-            <a:endParaRPr lang="es-AR" sz="1500" dirty="0">
-              <a:solidFill>
-                <a:srgbClr val="FF0000"/>
-              </a:solidFill>
-              <a:latin typeface="Berlin Sans FB" pitchFamily="34" charset="0"/>
-            </a:endParaRPr>
-          </a:p>
-          <a:p>
-            <a:pPr marL="365760" lvl="1" indent="0">
-              <a:buNone/>
-            </a:pPr>
-            <a:r>
-              <a:rPr lang="es-AR" sz="1500" dirty="0" smtClean="0">
-                <a:solidFill>
-                  <a:srgbClr val="FF0000"/>
-                </a:solidFill>
-                <a:latin typeface="Berlin Sans FB" pitchFamily="34" charset="0"/>
-              </a:rPr>
-              <a:t>NOR(GAME) =					NOA</a:t>
-            </a:r>
-            <a:r>
-              <a:rPr lang="es-AR" sz="1500" dirty="0">
-                <a:solidFill>
-                  <a:srgbClr val="FF0000"/>
-                </a:solidFill>
-                <a:latin typeface="Berlin Sans FB" pitchFamily="34" charset="0"/>
-              </a:rPr>
-              <a:t>(GAME) =</a:t>
-            </a:r>
-            <a:endParaRPr lang="es-AR" sz="1500" dirty="0" smtClean="0">
-              <a:solidFill>
-                <a:srgbClr val="FF0000"/>
-              </a:solidFill>
-              <a:latin typeface="Berlin Sans FB" pitchFamily="34" charset="0"/>
-            </a:endParaRPr>
-          </a:p>
-          <a:p>
-            <a:pPr marL="365760" lvl="1" indent="0">
-              <a:buNone/>
-            </a:pPr>
-            <a:r>
-              <a:rPr lang="es-AR" sz="1500" dirty="0" smtClean="0">
-                <a:solidFill>
-                  <a:srgbClr val="FF0000"/>
-                </a:solidFill>
-                <a:latin typeface="Berlin Sans FB" pitchFamily="34" charset="0"/>
-              </a:rPr>
-              <a:t>NOR(USER) =					NOA</a:t>
-            </a:r>
-            <a:r>
-              <a:rPr lang="es-AR" sz="1500" dirty="0">
-                <a:solidFill>
-                  <a:srgbClr val="FF0000"/>
-                </a:solidFill>
-                <a:latin typeface="Berlin Sans FB" pitchFamily="34" charset="0"/>
-              </a:rPr>
-              <a:t>(USER) =</a:t>
-            </a:r>
-            <a:endParaRPr lang="es-AR" sz="1500" dirty="0" smtClean="0">
-              <a:solidFill>
-                <a:srgbClr val="FF0000"/>
-              </a:solidFill>
-              <a:latin typeface="Berlin Sans FB" pitchFamily="34" charset="0"/>
-            </a:endParaRPr>
-          </a:p>
-          <a:p>
-            <a:pPr marL="365760" lvl="1" indent="0">
-              <a:buNone/>
-            </a:pPr>
-            <a:r>
-              <a:rPr lang="es-AR" sz="1500" dirty="0" smtClean="0">
-                <a:solidFill>
-                  <a:srgbClr val="FF0000"/>
-                </a:solidFill>
-                <a:latin typeface="Berlin Sans FB" pitchFamily="34" charset="0"/>
-              </a:rPr>
-              <a:t>NOR(QUESTION) =					NOA(QUESTION) </a:t>
-            </a:r>
-            <a:r>
-              <a:rPr lang="es-AR" sz="1500" dirty="0">
-                <a:solidFill>
-                  <a:srgbClr val="FF0000"/>
-                </a:solidFill>
-                <a:latin typeface="Berlin Sans FB" pitchFamily="34" charset="0"/>
-              </a:rPr>
-              <a:t>=</a:t>
-            </a:r>
-            <a:endParaRPr lang="es-AR" sz="1500" dirty="0" smtClean="0">
-              <a:solidFill>
-                <a:srgbClr val="FF0000"/>
-              </a:solidFill>
-              <a:latin typeface="Berlin Sans FB" pitchFamily="34" charset="0"/>
-            </a:endParaRPr>
-          </a:p>
-          <a:p>
-            <a:pPr marL="365760" lvl="1" indent="0">
-              <a:buNone/>
-            </a:pPr>
-            <a:r>
-              <a:rPr lang="es-AR" sz="1500" dirty="0" smtClean="0">
-                <a:solidFill>
-                  <a:srgbClr val="FF0000"/>
-                </a:solidFill>
-                <a:latin typeface="Berlin Sans FB" pitchFamily="34" charset="0"/>
-              </a:rPr>
-              <a:t>NOR(INVITATION) =					NOA(INVITATION</a:t>
-            </a:r>
-            <a:r>
-              <a:rPr lang="es-AR" sz="1500" dirty="0">
-                <a:solidFill>
-                  <a:srgbClr val="FF0000"/>
-                </a:solidFill>
-                <a:latin typeface="Berlin Sans FB" pitchFamily="34" charset="0"/>
-              </a:rPr>
-              <a:t>) =</a:t>
-            </a:r>
-            <a:endParaRPr lang="es-AR" sz="1500" dirty="0" smtClean="0">
-              <a:solidFill>
-                <a:srgbClr val="FF0000"/>
-              </a:solidFill>
-              <a:latin typeface="Berlin Sans FB" pitchFamily="34" charset="0"/>
-            </a:endParaRPr>
-          </a:p>
-          <a:p>
-            <a:pPr marL="365760" lvl="1" indent="0">
-              <a:buNone/>
-            </a:pPr>
-            <a:r>
-              <a:rPr lang="es-AR" sz="1500" dirty="0" smtClean="0">
-                <a:solidFill>
-                  <a:srgbClr val="FF0000"/>
-                </a:solidFill>
-                <a:latin typeface="Berlin Sans FB" pitchFamily="34" charset="0"/>
-              </a:rPr>
-              <a:t>NOR(GAME HANDLING) =				NOA</a:t>
-            </a:r>
-            <a:r>
-              <a:rPr lang="es-AR" sz="1500" dirty="0">
-                <a:solidFill>
-                  <a:srgbClr val="FF0000"/>
-                </a:solidFill>
-                <a:latin typeface="Berlin Sans FB" pitchFamily="34" charset="0"/>
-              </a:rPr>
-              <a:t>(GAME HANDLING) </a:t>
-            </a:r>
-            <a:r>
-              <a:rPr lang="es-AR" sz="1500" dirty="0" smtClean="0">
-                <a:solidFill>
-                  <a:srgbClr val="FF0000"/>
-                </a:solidFill>
-                <a:latin typeface="Berlin Sans FB" pitchFamily="34" charset="0"/>
-              </a:rPr>
-              <a:t>=</a:t>
-            </a:r>
-          </a:p>
-          <a:p>
-            <a:pPr marL="365760" lvl="1" indent="0">
-              <a:buNone/>
-            </a:pPr>
-            <a:endParaRPr lang="es-AR" sz="1500" dirty="0" smtClean="0">
-              <a:solidFill>
-                <a:srgbClr val="FF0000"/>
-              </a:solidFill>
-              <a:latin typeface="Berlin Sans FB" pitchFamily="34" charset="0"/>
-            </a:endParaRPr>
-          </a:p>
-          <a:p>
-            <a:pPr marL="365760" lvl="1" indent="0">
-              <a:buNone/>
-            </a:pPr>
-            <a:r>
-              <a:rPr lang="es-AR" sz="1500" dirty="0" err="1" smtClean="0">
-                <a:solidFill>
-                  <a:srgbClr val="FF0000"/>
-                </a:solidFill>
-                <a:latin typeface="Berlin Sans FB" pitchFamily="34" charset="0"/>
-              </a:rPr>
-              <a:t>NPMedia</a:t>
-            </a:r>
-            <a:r>
-              <a:rPr lang="es-AR" sz="1500" dirty="0" smtClean="0">
-                <a:solidFill>
-                  <a:srgbClr val="FF0000"/>
-                </a:solidFill>
-                <a:latin typeface="Berlin Sans FB" pitchFamily="34" charset="0"/>
-              </a:rPr>
-              <a:t>(GAME) =</a:t>
-            </a:r>
-          </a:p>
-          <a:p>
-            <a:pPr marL="365760" lvl="1" indent="0">
-              <a:buNone/>
-            </a:pPr>
-            <a:r>
-              <a:rPr lang="es-AR" sz="1500" dirty="0" err="1" smtClean="0">
-                <a:solidFill>
-                  <a:srgbClr val="FF0000"/>
-                </a:solidFill>
-                <a:latin typeface="Berlin Sans FB" pitchFamily="34" charset="0"/>
-              </a:rPr>
-              <a:t>NPMedia</a:t>
-            </a:r>
-            <a:r>
-              <a:rPr lang="es-AR" sz="1500" dirty="0" smtClean="0">
-                <a:solidFill>
-                  <a:srgbClr val="FF0000"/>
-                </a:solidFill>
-                <a:latin typeface="Berlin Sans FB" pitchFamily="34" charset="0"/>
-              </a:rPr>
-              <a:t>(USER) </a:t>
-            </a:r>
-            <a:r>
-              <a:rPr lang="es-AR" sz="1500" dirty="0">
-                <a:solidFill>
-                  <a:srgbClr val="FF0000"/>
-                </a:solidFill>
-                <a:latin typeface="Berlin Sans FB" pitchFamily="34" charset="0"/>
-              </a:rPr>
-              <a:t>=</a:t>
-            </a:r>
-          </a:p>
-          <a:p>
-            <a:pPr marL="365760" lvl="1" indent="0">
-              <a:buNone/>
-            </a:pPr>
-            <a:r>
-              <a:rPr lang="es-AR" sz="1500" dirty="0" err="1" smtClean="0">
-                <a:solidFill>
-                  <a:srgbClr val="FF0000"/>
-                </a:solidFill>
-                <a:latin typeface="Berlin Sans FB" pitchFamily="34" charset="0"/>
-              </a:rPr>
-              <a:t>NPMedia</a:t>
-            </a:r>
-            <a:r>
-              <a:rPr lang="es-AR" sz="1500" dirty="0" smtClean="0">
-                <a:solidFill>
-                  <a:srgbClr val="FF0000"/>
-                </a:solidFill>
-                <a:latin typeface="Berlin Sans FB" pitchFamily="34" charset="0"/>
-              </a:rPr>
-              <a:t>(QUESTION) </a:t>
-            </a:r>
-            <a:r>
-              <a:rPr lang="es-AR" sz="1500" dirty="0">
-                <a:solidFill>
-                  <a:srgbClr val="FF0000"/>
-                </a:solidFill>
-                <a:latin typeface="Berlin Sans FB" pitchFamily="34" charset="0"/>
-              </a:rPr>
-              <a:t>=</a:t>
-            </a:r>
-          </a:p>
-          <a:p>
-            <a:pPr marL="365760" lvl="1" indent="0">
-              <a:buNone/>
-            </a:pPr>
-            <a:r>
-              <a:rPr lang="es-AR" sz="1500" dirty="0" err="1" smtClean="0">
-                <a:solidFill>
-                  <a:srgbClr val="FF0000"/>
-                </a:solidFill>
-                <a:latin typeface="Berlin Sans FB" pitchFamily="34" charset="0"/>
-              </a:rPr>
-              <a:t>NPMedia</a:t>
-            </a:r>
-            <a:r>
-              <a:rPr lang="es-AR" sz="1500" dirty="0" smtClean="0">
-                <a:solidFill>
-                  <a:srgbClr val="FF0000"/>
-                </a:solidFill>
-                <a:latin typeface="Berlin Sans FB" pitchFamily="34" charset="0"/>
-              </a:rPr>
-              <a:t>(INVITATION) </a:t>
-            </a:r>
-            <a:r>
-              <a:rPr lang="es-AR" sz="1500" dirty="0">
-                <a:solidFill>
-                  <a:srgbClr val="FF0000"/>
-                </a:solidFill>
-                <a:latin typeface="Berlin Sans FB" pitchFamily="34" charset="0"/>
-              </a:rPr>
-              <a:t>=</a:t>
-            </a:r>
-          </a:p>
-          <a:p>
-            <a:pPr marL="365760" lvl="1" indent="0">
-              <a:buNone/>
-            </a:pPr>
-            <a:r>
-              <a:rPr lang="es-AR" sz="1500" dirty="0" err="1" smtClean="0">
-                <a:solidFill>
-                  <a:srgbClr val="FF0000"/>
-                </a:solidFill>
-                <a:latin typeface="Berlin Sans FB" pitchFamily="34" charset="0"/>
-              </a:rPr>
-              <a:t>NPMedia</a:t>
-            </a:r>
-            <a:r>
-              <a:rPr lang="es-AR" sz="1500" dirty="0" smtClean="0">
-                <a:solidFill>
-                  <a:srgbClr val="FF0000"/>
-                </a:solidFill>
-                <a:latin typeface="Berlin Sans FB" pitchFamily="34" charset="0"/>
-              </a:rPr>
-              <a:t>(GAME HANDLING) =</a:t>
-            </a:r>
-            <a:r>
-              <a:rPr lang="es-AR" sz="1500" dirty="0" smtClean="0">
-                <a:latin typeface="Berlin Sans FB" pitchFamily="34" charset="0"/>
-              </a:rPr>
-              <a:t>		</a:t>
-            </a:r>
-            <a:endParaRPr lang="es-AR" sz="1500" dirty="0">
-              <a:latin typeface="Berlin Sans FB" pitchFamily="34" charset="0"/>
-            </a:endParaRPr>
-          </a:p>
-        </p:txBody>
-      </p:sp>
+      </p:pic>
     </p:spTree>
     <p:extLst>
       <p:ext uri="{BB962C8B-B14F-4D97-AF65-F5344CB8AC3E}">
-        <p14:creationId xmlns:p14="http://schemas.microsoft.com/office/powerpoint/2010/main" val="4034558535"/>
+        <p14:creationId xmlns:p14="http://schemas.microsoft.com/office/powerpoint/2010/main" val="1602489536"/>
       </p:ext>
     </p:extLst>
   </p:cSld>
@@ -6196,8 +5151,8 @@
         </p:nvSpPr>
         <p:spPr>
           <a:xfrm>
-            <a:off x="1793289" y="4372168"/>
-            <a:ext cx="6512511" cy="1649120"/>
+            <a:off x="576518" y="5655859"/>
+            <a:ext cx="7808655" cy="1152128"/>
           </a:xfrm>
         </p:spPr>
         <p:txBody>
@@ -6209,15 +5164,34 @@
             </a:pPr>
             <a:r>
               <a:rPr lang="es-AR" dirty="0" smtClean="0"/>
-              <a:t>Nuevo Diagrama de Gantt</a:t>
-            </a:r>
+              <a:t>Historias de </a:t>
+            </a:r>
+            <a:r>
+              <a:rPr lang="es-AR" dirty="0" err="1" smtClean="0"/>
+              <a:t>Pivotal</a:t>
+            </a:r>
+            <a:r>
+              <a:rPr lang="es-AR" dirty="0" smtClean="0"/>
+              <a:t> </a:t>
+            </a:r>
+            <a:r>
+              <a:rPr lang="es-AR" dirty="0" err="1" smtClean="0"/>
+              <a:t>Tracker</a:t>
+            </a:r>
+            <a:r>
+              <a:rPr lang="es-AR" dirty="0" smtClean="0"/>
+              <a:t/>
+            </a:r>
+            <a:br>
+              <a:rPr lang="es-AR" dirty="0" smtClean="0"/>
+            </a:br>
             <a:endParaRPr lang="es-AR" dirty="0"/>
           </a:p>
         </p:txBody>
       </p:sp>
       <p:sp>
         <p:nvSpPr>
-          <p:cNvPr id="3" name="2 Marcador de contenido"/>
+          <p:cNvPr id="5" name="4 Marcador de contenido"/>
           <p:cNvSpPr>
             <a:spLocks noGrp="1"/>
           </p:cNvSpPr>
@@ -6230,14 +5204,68 @@
           <a:bodyPr/>
           <a:lstStyle/>
           <a:p>
-            <a:endParaRPr lang="es-AR"/>
-          </a:p>
-        </p:txBody>
-      </p:sp>
+            <a:endParaRPr lang="es-AR" dirty="0"/>
+          </a:p>
+        </p:txBody>
+      </p:sp>
+      <p:pic>
+        <p:nvPicPr>
+          <p:cNvPr id="1026" name="Picture 2"/>
+          <p:cNvPicPr>
+            <a:picLocks noChangeAspect="1" noChangeArrowheads="1"/>
+          </p:cNvPicPr>
+          <p:nvPr/>
+        </p:nvPicPr>
+        <p:blipFill>
+          <a:blip r:embed="rId2">
+            <a:extLst>
+              <a:ext uri="{28A0092B-C50C-407E-A947-70E740481C1C}">
+                <a14:useLocalDpi xmlns:a14="http://schemas.microsoft.com/office/drawing/2010/main" val="0"/>
+              </a:ext>
+            </a:extLst>
+          </a:blip>
+          <a:srcRect/>
+          <a:stretch>
+            <a:fillRect/>
+          </a:stretch>
+        </p:blipFill>
+        <p:spPr bwMode="auto">
+          <a:xfrm>
+            <a:off x="683568" y="287058"/>
+            <a:ext cx="7772577" cy="5158165"/>
+          </a:xfrm>
+          <a:prstGeom prst="rect">
+            <a:avLst/>
+          </a:prstGeom>
+          <a:noFill/>
+          <a:ln>
+            <a:noFill/>
+          </a:ln>
+          <a:extLst>
+            <a:ext uri="{909E8E84-426E-40DD-AFC4-6F175D3DCCD1}">
+              <a14:hiddenFill xmlns:a14="http://schemas.microsoft.com/office/drawing/2010/main">
+                <a:solidFill>
+                  <a:schemeClr val="accent1"/>
+                </a:solidFill>
+              </a14:hiddenFill>
+            </a:ext>
+            <a:ext uri="{91240B29-F687-4F45-9708-019B960494DF}">
+              <a14:hiddenLine xmlns:a14="http://schemas.microsoft.com/office/drawing/2010/main" w="9525">
+                <a:solidFill>
+                  <a:schemeClr val="tx1"/>
+                </a:solidFill>
+                <a:miter lim="800000"/>
+                <a:headEnd/>
+                <a:tailEnd/>
+              </a14:hiddenLine>
+            </a:ext>
+          </a:extLst>
+        </p:spPr>
+      </p:pic>
     </p:spTree>
     <p:extLst>
       <p:ext uri="{BB962C8B-B14F-4D97-AF65-F5344CB8AC3E}">
-        <p14:creationId xmlns:p14="http://schemas.microsoft.com/office/powerpoint/2010/main" val="1602489536"/>
+        <p14:creationId xmlns:p14="http://schemas.microsoft.com/office/powerpoint/2010/main" val="3620687109"/>
       </p:ext>
     </p:extLst>
   </p:cSld>
@@ -6283,8 +5311,8 @@
         </p:nvSpPr>
         <p:spPr>
           <a:xfrm>
-            <a:off x="1763688" y="4797152"/>
-            <a:ext cx="6512511" cy="1721128"/>
+            <a:off x="2411760" y="5517232"/>
+            <a:ext cx="6512511" cy="1143000"/>
           </a:xfrm>
         </p:spPr>
         <p:txBody>
@@ -6295,10 +5323,6 @@
               <a:buNone/>
             </a:pPr>
             <a:r>
-              <a:rPr lang="es-AR" dirty="0" smtClean="0"/>
-              <a:t>Historias de </a:t>
-            </a:r>
-            <a:r>
               <a:rPr lang="es-AR" dirty="0" err="1" smtClean="0"/>
               <a:t>Pivotal</a:t>
             </a:r>
@@ -6308,48 +5332,83 @@
             </a:r>
             <a:r>
               <a:rPr lang="es-AR" dirty="0" err="1" smtClean="0"/>
-              <a:t>Tracker</a:t>
-            </a:r>
-            <a:r>
-              <a:rPr lang="es-AR" dirty="0" smtClean="0"/>
-              <a:t/>
-            </a:r>
-            <a:br>
-              <a:rPr lang="es-AR" dirty="0" smtClean="0"/>
-            </a:br>
+              <a:t>Analytics</a:t>
+            </a:r>
             <a:endParaRPr lang="es-AR" dirty="0"/>
           </a:p>
         </p:txBody>
       </p:sp>
-      <p:sp>
-        <p:nvSpPr>
-          <p:cNvPr id="3" name="2 Marcador de contenido"/>
-          <p:cNvSpPr>
-            <a:spLocks noGrp="1"/>
-          </p:cNvSpPr>
-          <p:nvPr>
-            <p:ph sz="quarter" idx="13"/>
-          </p:nvPr>
-        </p:nvSpPr>
-        <p:spPr/>
-        <p:txBody>
-          <a:bodyPr/>
-          <a:lstStyle/>
-          <a:p>
-            <a:endParaRPr lang="es-AR"/>
-          </a:p>
-        </p:txBody>
-      </p:sp>
+      <p:pic>
+        <p:nvPicPr>
+          <p:cNvPr id="4098" name="Picture 2"/>
+          <p:cNvPicPr>
+            <a:picLocks noChangeAspect="1" noChangeArrowheads="1"/>
+          </p:cNvPicPr>
+          <p:nvPr/>
+        </p:nvPicPr>
+        <p:blipFill>
+          <a:blip r:embed="rId2">
+            <a:extLst>
+              <a:ext uri="{28A0092B-C50C-407E-A947-70E740481C1C}">
+                <a14:useLocalDpi xmlns:a14="http://schemas.microsoft.com/office/drawing/2010/main" val="0"/>
+              </a:ext>
+            </a:extLst>
+          </a:blip>
+          <a:srcRect/>
+          <a:stretch>
+            <a:fillRect/>
+          </a:stretch>
+        </p:blipFill>
+        <p:spPr bwMode="auto">
+          <a:xfrm>
+            <a:off x="1039204" y="620688"/>
+            <a:ext cx="7132637" cy="4733925"/>
+          </a:xfrm>
+          <a:prstGeom prst="rect">
+            <a:avLst/>
+          </a:prstGeom>
+          <a:noFill/>
+          <a:ln>
+            <a:noFill/>
+          </a:ln>
+          <a:extLst>
+            <a:ext uri="{909E8E84-426E-40DD-AFC4-6F175D3DCCD1}">
+              <a14:hiddenFill xmlns:a14="http://schemas.microsoft.com/office/drawing/2010/main">
+                <a:solidFill>
+                  <a:schemeClr val="accent1"/>
+                </a:solidFill>
+              </a14:hiddenFill>
+            </a:ext>
+            <a:ext uri="{91240B29-F687-4F45-9708-019B960494DF}">
+              <a14:hiddenLine xmlns:a14="http://schemas.microsoft.com/office/drawing/2010/main" w="9525">
+                <a:solidFill>
+                  <a:schemeClr val="tx1"/>
+                </a:solidFill>
+                <a:miter lim="800000"/>
+                <a:headEnd/>
+                <a:tailEnd/>
+              </a14:hiddenLine>
+            </a:ext>
+          </a:extLst>
+        </p:spPr>
+      </p:pic>
     </p:spTree>
     <p:extLst>
       <p:ext uri="{BB962C8B-B14F-4D97-AF65-F5344CB8AC3E}">
-        <p14:creationId xmlns:p14="http://schemas.microsoft.com/office/powerpoint/2010/main" val="3620687109"/>
+        <p14:creationId xmlns:p14="http://schemas.microsoft.com/office/powerpoint/2010/main" val="446013141"/>
       </p:ext>
     </p:extLst>
   </p:cSld>
   <p:clrMapOvr>
     <a:masterClrMapping/>
   </p:clrMapOvr>
+  <p:timing>
+    <p:tnLst>
+      <p:par>
+        <p:cTn id="1" dur="indefinite" restart="never" nodeType="tmRoot"/>
+      </p:par>
+    </p:tnLst>
+  </p:timing>
 </p:sld>
 </file>
 
@@ -6504,6 +5563,13 @@
   <p:clrMapOvr>
     <a:masterClrMapping/>
   </p:clrMapOvr>
+  <p:timing>
+    <p:tnLst>
+      <p:par>
+        <p:cTn id="1" dur="indefinite" restart="never" nodeType="tmRoot"/>
+      </p:par>
+    </p:tnLst>
+  </p:timing>
 </p:sld>
 </file>
 
@@ -6542,7 +5608,7 @@
         </p:spPr>
         <p:txBody>
           <a:bodyPr>
-            <a:normAutofit fontScale="85000" lnSpcReduction="20000"/>
+            <a:normAutofit fontScale="77500" lnSpcReduction="20000"/>
           </a:bodyPr>
           <a:lstStyle/>
           <a:p>
@@ -6644,16 +5710,35 @@
             </a:r>
           </a:p>
           <a:p>
-            <a:pPr lvl="2"/>
+            <a:pPr marL="1257300" lvl="2" indent="-342900">
+              <a:buFontTx/>
+              <a:buChar char="-"/>
+            </a:pPr>
             <a:r>
               <a:rPr lang="es-AR" sz="1900" b="1" i="1" dirty="0" smtClean="0"/>
-              <a:t>- Chequeo, Borrado de Invitaciones: VER.</a:t>
-            </a:r>
-          </a:p>
-          <a:p>
+              <a:t>Chequeo</a:t>
+            </a:r>
             <a:r>
               <a:rPr lang="es-AR" sz="1900" b="1" i="1" dirty="0" smtClean="0"/>
-              <a:t>Limitación de Partidas (4 Partidas simultáneamente).</a:t>
+              <a:t>, Borrado de </a:t>
+            </a:r>
+            <a:r>
+              <a:rPr lang="es-AR" sz="1900" b="1" i="1" dirty="0" smtClean="0"/>
+              <a:t>Invitaciones sin aceptar</a:t>
+            </a:r>
+          </a:p>
+          <a:p>
+            <a:pPr marL="1257300" lvl="2" indent="-342900">
+              <a:buFontTx/>
+              <a:buChar char="-"/>
+            </a:pPr>
+            <a:r>
+              <a:rPr lang="es-AR" sz="1900" b="1" i="1" dirty="0" smtClean="0"/>
+              <a:t>Limitación </a:t>
+            </a:r>
+            <a:r>
+              <a:rPr lang="es-AR" sz="1900" b="1" i="1" dirty="0" smtClean="0"/>
+              <a:t>de Partidas (4 Partidas simultáneamente).</a:t>
             </a:r>
           </a:p>
           <a:p>
@@ -6763,6 +5848,13 @@
   <p:clrMapOvr>
     <a:masterClrMapping/>
   </p:clrMapOvr>
+  <p:timing>
+    <p:tnLst>
+      <p:par>
+        <p:cTn id="1" dur="indefinite" restart="never" nodeType="tmRoot"/>
+      </p:par>
+    </p:tnLst>
+  </p:timing>
 </p:sld>
 </file>
 
@@ -6883,7 +5975,11 @@
             <a:pPr lvl="1"/>
             <a:r>
               <a:rPr lang="es-AR" sz="1400" b="1" i="1" dirty="0" smtClean="0"/>
-              <a:t>- Selección de las preguntas de nuestro 	contrincante)</a:t>
+              <a:t>- Selección de las preguntas de nuestro 	</a:t>
+            </a:r>
+            <a:r>
+              <a:rPr lang="es-AR" sz="1400" b="1" i="1" dirty="0" smtClean="0"/>
+              <a:t>contrincante</a:t>
             </a:r>
             <a:endParaRPr lang="es-AR" sz="1400" b="1" i="1" dirty="0"/>
           </a:p>
@@ -6966,6 +6062,13 @@
   <p:clrMapOvr>
     <a:masterClrMapping/>
   </p:clrMapOvr>
+  <p:timing>
+    <p:tnLst>
+      <p:par>
+        <p:cTn id="1" dur="indefinite" restart="never" nodeType="tmRoot"/>
+      </p:par>
+    </p:tnLst>
+  </p:timing>
 </p:sld>
 </file>
 
